--- a/taitoru.pptx
+++ b/taitoru.pptx
@@ -269,6 +269,21 @@
               </c:ext>
             </c:extLst>
           </c:dPt>
+          <c:dPt>
+            <c:idx val="3"/>
+            <c:bubble3D val="0"/>
+            <c:spPr>
+              <a:solidFill>
+                <a:schemeClr val="accent4"/>
+              </a:solidFill>
+              <a:ln w="19050">
+                <a:solidFill>
+                  <a:schemeClr val="lt1"/>
+                </a:solidFill>
+              </a:ln>
+              <a:effectLst/>
+            </c:spPr>
+          </c:dPt>
           <c:dLbls>
             <c:dLbl>
               <c:idx val="0"/>
@@ -497,11 +512,11 @@
           </c:dLbls>
           <c:cat>
             <c:strRef>
-              <c:f>Sheet1!$A$2:$A$4</c:f>
+              <c:f>Sheet1!$A$2:$A$5</c:f>
               <c:strCache>
-                <c:ptCount val="3"/>
+                <c:ptCount val="4"/>
                 <c:pt idx="0">
-                  <c:v>アクション</c:v>
+                  <c:v>脱出</c:v>
                 </c:pt>
                 <c:pt idx="1">
                   <c:v>RPG</c:v>
@@ -509,23 +524,29 @@
                 <c:pt idx="2">
                   <c:v>ネタ</c:v>
                 </c:pt>
+                <c:pt idx="3">
+                  <c:v>ホラー</c:v>
+                </c:pt>
               </c:strCache>
             </c:strRef>
           </c:cat>
           <c:val>
             <c:numRef>
-              <c:f>Sheet1!$B$2:$B$4</c:f>
+              <c:f>Sheet1!$B$2:$B$5</c:f>
               <c:numCache>
                 <c:formatCode>General</c:formatCode>
-                <c:ptCount val="3"/>
+                <c:ptCount val="4"/>
                 <c:pt idx="0">
-                  <c:v>40</c:v>
+                  <c:v>30</c:v>
                 </c:pt>
                 <c:pt idx="1">
-                  <c:v>50</c:v>
+                  <c:v>30</c:v>
                 </c:pt>
                 <c:pt idx="2">
                   <c:v>10</c:v>
+                </c:pt>
+                <c:pt idx="3">
+                  <c:v>30</c:v>
                 </c:pt>
               </c:numCache>
             </c:numRef>
@@ -5029,7 +5050,7 @@
             <a:pPr rtl="0"/>
             <a:fld id="{2C644A8E-4737-47EC-8F63-A04FC3F60BBC}" type="datetime1">
               <a:rPr lang="ja-JP" altLang="en-US" smtClean="0"/>
-              <a:t>2022/10/24</a:t>
+              <a:t>2022/10/26</a:t>
             </a:fld>
             <a:endParaRPr lang="en-US" dirty="0"/>
           </a:p>
@@ -5199,7 +5220,7 @@
             <a:pPr rtl="0"/>
             <a:fld id="{B7D2CD12-2EA1-4D01-B4E3-887F9CBA179F}" type="datetime1">
               <a:rPr lang="ja-JP" altLang="en-US" smtClean="0"/>
-              <a:t>2022/10/24</a:t>
+              <a:t>2022/10/26</a:t>
             </a:fld>
             <a:endParaRPr lang="en-US"/>
           </a:p>
@@ -5713,7 +5734,7 @@
             <a:pPr rtl="0"/>
             <a:fld id="{83DCDF92-A159-46CD-AE7F-AE913F8A0C03}" type="datetime1">
               <a:rPr lang="ja-JP" altLang="en-US" smtClean="0"/>
-              <a:t>2022/10/24</a:t>
+              <a:t>2022/10/26</a:t>
             </a:fld>
             <a:endParaRPr lang="en-US" dirty="0"/>
           </a:p>
@@ -5952,7 +5973,7 @@
             <a:pPr rtl="0"/>
             <a:fld id="{63A43473-F0CF-4097-9FA0-5C73431C12E8}" type="datetime1">
               <a:rPr lang="ja-JP" altLang="en-US" smtClean="0"/>
-              <a:t>2022/10/24</a:t>
+              <a:t>2022/10/26</a:t>
             </a:fld>
             <a:endParaRPr lang="en-US" dirty="0"/>
           </a:p>
@@ -6350,7 +6371,7 @@
             <a:pPr rtl="0"/>
             <a:fld id="{2D9E36F4-56C9-497D-985A-4547EE80C7E5}" type="datetime1">
               <a:rPr lang="ja-JP" altLang="en-US" smtClean="0"/>
-              <a:t>2022/10/24</a:t>
+              <a:t>2022/10/26</a:t>
             </a:fld>
             <a:endParaRPr lang="en-US" dirty="0"/>
           </a:p>
@@ -6584,7 +6605,7 @@
             <a:pPr rtl="0"/>
             <a:fld id="{3FE9C3F6-23B1-4AC7-8654-56B71A245609}" type="datetime1">
               <a:rPr lang="ja-JP" altLang="en-US" smtClean="0"/>
-              <a:t>2022/10/24</a:t>
+              <a:t>2022/10/26</a:t>
             </a:fld>
             <a:endParaRPr lang="en-US" dirty="0"/>
           </a:p>
@@ -6900,7 +6921,7 @@
             <a:pPr rtl="0"/>
             <a:fld id="{48EED29A-E673-4AAF-8414-A0538097D4FB}" type="datetime1">
               <a:rPr lang="ja-JP" altLang="en-US" smtClean="0"/>
-              <a:t>2022/10/24</a:t>
+              <a:t>2022/10/26</a:t>
             </a:fld>
             <a:endParaRPr lang="en-US" dirty="0"/>
           </a:p>
@@ -7221,7 +7242,7 @@
             <a:pPr rtl="0"/>
             <a:fld id="{D2AF9471-7E3C-43CD-B2AE-E0996B6FCF28}" type="datetime1">
               <a:rPr lang="ja-JP" altLang="en-US" smtClean="0"/>
-              <a:t>2022/10/24</a:t>
+              <a:t>2022/10/26</a:t>
             </a:fld>
             <a:endParaRPr lang="en-US" dirty="0"/>
           </a:p>
@@ -7711,7 +7732,7 @@
             <a:pPr rtl="0"/>
             <a:fld id="{42EAD7D0-3BCF-438D-AF45-776548880E3E}" type="datetime1">
               <a:rPr lang="ja-JP" altLang="en-US" smtClean="0"/>
-              <a:t>2022/10/24</a:t>
+              <a:t>2022/10/26</a:t>
             </a:fld>
             <a:endParaRPr lang="en-US" dirty="0"/>
           </a:p>
@@ -7838,7 +7859,7 @@
             <a:pPr rtl="0"/>
             <a:fld id="{095BB670-9BB6-41E9-8402-5ADF041FD5DA}" type="datetime1">
               <a:rPr lang="ja-JP" altLang="en-US" smtClean="0"/>
-              <a:t>2022/10/24</a:t>
+              <a:t>2022/10/26</a:t>
             </a:fld>
             <a:endParaRPr lang="en-US" dirty="0"/>
           </a:p>
@@ -7936,7 +7957,7 @@
             <a:pPr rtl="0"/>
             <a:fld id="{B64CBAF2-9AF4-4C61-80A6-A4165AC07DD4}" type="datetime1">
               <a:rPr lang="ja-JP" altLang="en-US" smtClean="0"/>
-              <a:t>2022/10/24</a:t>
+              <a:t>2022/10/26</a:t>
             </a:fld>
             <a:endParaRPr lang="en-US" dirty="0"/>
           </a:p>
@@ -8349,7 +8370,7 @@
             <a:pPr rtl="0"/>
             <a:fld id="{15E8BA45-A90A-4071-A13D-6AC57A8D06A3}" type="datetime1">
               <a:rPr lang="ja-JP" altLang="en-US" smtClean="0"/>
-              <a:t>2022/10/24</a:t>
+              <a:t>2022/10/26</a:t>
             </a:fld>
             <a:endParaRPr lang="en-US" dirty="0"/>
           </a:p>
@@ -8647,7 +8668,7 @@
             <a:pPr rtl="0"/>
             <a:fld id="{AC67FAA8-A50A-40C1-B5A1-A17F7AE628E9}" type="datetime1">
               <a:rPr lang="ja-JP" altLang="en-US" smtClean="0"/>
-              <a:t>2022/10/24</a:t>
+              <a:t>2022/10/26</a:t>
             </a:fld>
             <a:endParaRPr lang="en-US" dirty="0"/>
           </a:p>
@@ -8866,7 +8887,7 @@
           <a:p>
             <a:fld id="{8288BDA2-415F-4853-9C1B-2BDC206538FD}" type="datetime1">
               <a:rPr lang="ja-JP" altLang="en-US" noProof="0" smtClean="0"/>
-              <a:t>2022/10/24</a:t>
+              <a:t>2022/10/26</a:t>
             </a:fld>
             <a:endParaRPr lang="ja-JP" altLang="en-US" noProof="0" dirty="0"/>
           </a:p>
@@ -10024,7 +10045,7 @@
             <p:ph idx="1"/>
             <p:extLst>
               <p:ext uri="{D42A27DB-BD31-4B8C-83A1-F6EECF244321}">
-                <p14:modId xmlns:p14="http://schemas.microsoft.com/office/powerpoint/2010/main" val="599937793"/>
+                <p14:modId xmlns:p14="http://schemas.microsoft.com/office/powerpoint/2010/main" val="1024538434"/>
               </p:ext>
             </p:extLst>
           </p:nvPr>
@@ -10063,7 +10084,7 @@
             <a:pPr rtl="0"/>
             <a:fld id="{3FE9C3F6-23B1-4AC7-8654-56B71A245609}" type="datetime1">
               <a:rPr lang="ja-JP" altLang="en-US" smtClean="0"/>
-              <a:t>2022/10/24</a:t>
+              <a:t>2022/10/26</a:t>
             </a:fld>
             <a:endParaRPr lang="en-US" dirty="0"/>
           </a:p>
@@ -10245,7 +10266,7 @@
             <a:pPr rtl="0"/>
             <a:fld id="{3FE9C3F6-23B1-4AC7-8654-56B71A245609}" type="datetime1">
               <a:rPr lang="ja-JP" altLang="en-US" smtClean="0"/>
-              <a:t>2022/10/24</a:t>
+              <a:t>2022/10/26</a:t>
             </a:fld>
             <a:endParaRPr lang="en-US" dirty="0"/>
           </a:p>
@@ -10330,7 +10351,9 @@
         </p:nvSpPr>
         <p:spPr/>
         <p:txBody>
-          <a:bodyPr/>
+          <a:bodyPr>
+            <a:normAutofit fontScale="92500" lnSpcReduction="20000"/>
+          </a:bodyPr>
           <a:lstStyle/>
           <a:p>
             <a:pPr marL="0" indent="0">
@@ -10338,8 +10361,111 @@
             </a:pPr>
             <a:r>
               <a:rPr kumimoji="1" lang="ja-JP" altLang="en-US" dirty="0"/>
-              <a:t>後日、追記します。大体ドラクエみたいな内容ですね</a:t>
-            </a:r>
+              <a:t>第一案のり価格高騰</a:t>
+            </a:r>
+            <a:endParaRPr kumimoji="1" lang="en-US" altLang="ja-JP" dirty="0"/>
+          </a:p>
+          <a:p>
+            <a:pPr marL="0" indent="0">
+              <a:buNone/>
+            </a:pPr>
+            <a:r>
+              <a:rPr lang="ja-JP" altLang="en-US" dirty="0"/>
+              <a:t>第</a:t>
+            </a:r>
+            <a:r>
+              <a:rPr lang="en-US" altLang="ja-JP" dirty="0"/>
+              <a:t>10</a:t>
+            </a:r>
+            <a:r>
+              <a:rPr lang="ja-JP" altLang="en-US" dirty="0"/>
+              <a:t>案俺らが異世界転生する話</a:t>
+            </a:r>
+            <a:endParaRPr lang="en-US" altLang="ja-JP" dirty="0"/>
+          </a:p>
+          <a:p>
+            <a:pPr marL="0" indent="0">
+              <a:buNone/>
+            </a:pPr>
+            <a:r>
+              <a:rPr lang="ja-JP" altLang="en-US" dirty="0"/>
+              <a:t>：脱出</a:t>
+            </a:r>
+            <a:endParaRPr lang="en-US" altLang="ja-JP" dirty="0"/>
+          </a:p>
+          <a:p>
+            <a:pPr marL="0" indent="0">
+              <a:buNone/>
+            </a:pPr>
+            <a:r>
+              <a:rPr lang="ja-JP" altLang="en-US" dirty="0"/>
+              <a:t>ストーリー：学校終わりまで残っていた学生</a:t>
+            </a:r>
+            <a:r>
+              <a:rPr lang="en-US" altLang="ja-JP" dirty="0"/>
+              <a:t>3</a:t>
+            </a:r>
+            <a:r>
+              <a:rPr lang="ja-JP" altLang="en-US" dirty="0"/>
+              <a:t>人が裏学校から逃げる話</a:t>
+            </a:r>
+            <a:endParaRPr lang="en-US" altLang="ja-JP" dirty="0"/>
+          </a:p>
+          <a:p>
+            <a:pPr marL="0" indent="0">
+              <a:buNone/>
+            </a:pPr>
+            <a:r>
+              <a:rPr lang="ja-JP" altLang="en-US" dirty="0"/>
+              <a:t>　　　　　　　異世界で記憶を失った３人が記憶を戻すため、キーアイテムを集めながら脱出する話</a:t>
+            </a:r>
+            <a:endParaRPr lang="en-US" altLang="ja-JP" dirty="0"/>
+          </a:p>
+          <a:p>
+            <a:pPr marL="0" indent="0">
+              <a:buNone/>
+            </a:pPr>
+            <a:r>
+              <a:rPr lang="ja-JP" altLang="en-US" dirty="0"/>
+              <a:t>　　　　　　　記憶を思い出した後、ボスに追いかけられた後脱出する</a:t>
+            </a:r>
+            <a:endParaRPr lang="en-US" altLang="ja-JP" dirty="0"/>
+          </a:p>
+          <a:p>
+            <a:pPr marL="0" indent="0">
+              <a:buNone/>
+            </a:pPr>
+            <a:endParaRPr lang="en-US" altLang="ja-JP" dirty="0"/>
+          </a:p>
+          <a:p>
+            <a:pPr marL="0" indent="0">
+              <a:buNone/>
+            </a:pPr>
+            <a:r>
+              <a:rPr lang="ja-JP" altLang="en-US" dirty="0"/>
+              <a:t>キーアイテム：市原＝のり</a:t>
+            </a:r>
+            <a:endParaRPr lang="en-US" altLang="ja-JP" dirty="0"/>
+          </a:p>
+          <a:p>
+            <a:pPr marL="0" indent="0">
+              <a:buNone/>
+            </a:pPr>
+            <a:r>
+              <a:rPr lang="ja-JP" altLang="en-US" dirty="0"/>
+              <a:t>　　　　　　　　林＝スマホ</a:t>
+            </a:r>
+            <a:endParaRPr lang="en-US" altLang="ja-JP" dirty="0"/>
+          </a:p>
+          <a:p>
+            <a:pPr marL="0" indent="0">
+              <a:buNone/>
+            </a:pPr>
+            <a:r>
+              <a:rPr lang="ja-JP" altLang="en-US" dirty="0"/>
+              <a:t>　　　　　　　鎌野＝綾鷹</a:t>
+            </a:r>
+            <a:endParaRPr lang="en-US" altLang="ja-JP" dirty="0"/>
           </a:p>
         </p:txBody>
       </p:sp>
@@ -10367,7 +10493,7 @@
             <a:pPr rtl="0"/>
             <a:fld id="{3FE9C3F6-23B1-4AC7-8654-56B71A245609}" type="datetime1">
               <a:rPr lang="ja-JP" altLang="en-US" smtClean="0"/>
-              <a:t>2022/10/24</a:t>
+              <a:t>2022/10/26</a:t>
             </a:fld>
             <a:endParaRPr lang="en-US" dirty="0"/>
           </a:p>
@@ -10426,13 +10552,8 @@
           <a:p>
             <a:r>
               <a:rPr kumimoji="1" lang="ja-JP" altLang="en-US" dirty="0"/>
-              <a:t>テーマ　</a:t>
-            </a:r>
-            <a:r>
-              <a:rPr kumimoji="1" lang="en-US" altLang="ja-JP" dirty="0"/>
-              <a:t>life</a:t>
-            </a:r>
-            <a:endParaRPr kumimoji="1" lang="ja-JP" altLang="en-US" dirty="0"/>
+              <a:t>システム</a:t>
+            </a:r>
           </a:p>
         </p:txBody>
       </p:sp>
@@ -10457,6 +10578,27 @@
           <a:bodyPr/>
           <a:lstStyle/>
           <a:p>
+            <a:r>
+              <a:rPr kumimoji="1" lang="ja-JP" altLang="en-US" dirty="0"/>
+              <a:t>タイトル</a:t>
+            </a:r>
+            <a:endParaRPr kumimoji="1" lang="en-US" altLang="ja-JP" dirty="0"/>
+          </a:p>
+          <a:p>
+            <a:r>
+              <a:rPr lang="ja-JP" altLang="en-US" dirty="0"/>
+              <a:t>・夜間学校</a:t>
+            </a:r>
+            <a:endParaRPr lang="en-US" altLang="ja-JP" dirty="0"/>
+          </a:p>
+          <a:p>
+            <a:r>
+              <a:rPr lang="ja-JP" altLang="en-US"/>
+              <a:t>・！わくわく３人学校探索</a:t>
+            </a:r>
+            <a:endParaRPr kumimoji="1" lang="en-US" altLang="ja-JP" dirty="0"/>
+          </a:p>
+          <a:p>
             <a:endParaRPr kumimoji="1" lang="ja-JP" altLang="en-US" dirty="0"/>
           </a:p>
         </p:txBody>
@@ -10485,7 +10627,7 @@
             <a:pPr rtl="0"/>
             <a:fld id="{3FE9C3F6-23B1-4AC7-8654-56B71A245609}" type="datetime1">
               <a:rPr lang="ja-JP" altLang="en-US" smtClean="0"/>
-              <a:t>2022/10/24</a:t>
+              <a:t>2022/10/26</a:t>
             </a:fld>
             <a:endParaRPr lang="en-US" dirty="0"/>
           </a:p>
@@ -10606,7 +10748,7 @@
             <a:pPr rtl="0"/>
             <a:fld id="{3FE9C3F6-23B1-4AC7-8654-56B71A245609}" type="datetime1">
               <a:rPr lang="ja-JP" altLang="en-US" smtClean="0"/>
-              <a:t>2022/10/24</a:t>
+              <a:t>2022/10/26</a:t>
             </a:fld>
             <a:endParaRPr lang="en-US" dirty="0"/>
           </a:p>
@@ -10730,7 +10872,7 @@
             <a:pPr rtl="0"/>
             <a:fld id="{3FE9C3F6-23B1-4AC7-8654-56B71A245609}" type="datetime1">
               <a:rPr lang="ja-JP" altLang="en-US" smtClean="0"/>
-              <a:t>2022/10/24</a:t>
+              <a:t>2022/10/26</a:t>
             </a:fld>
             <a:endParaRPr lang="en-US" dirty="0"/>
           </a:p>
@@ -10851,7 +10993,7 @@
             <a:pPr rtl="0"/>
             <a:fld id="{3FE9C3F6-23B1-4AC7-8654-56B71A245609}" type="datetime1">
               <a:rPr lang="ja-JP" altLang="en-US" smtClean="0"/>
-              <a:t>2022/10/24</a:t>
+              <a:t>2022/10/26</a:t>
             </a:fld>
             <a:endParaRPr lang="en-US" dirty="0"/>
           </a:p>

--- a/taitoru.pptx
+++ b/taitoru.pptx
@@ -283,6 +283,11 @@
               </a:ln>
               <a:effectLst/>
             </c:spPr>
+            <c:extLst>
+              <c:ext xmlns:c16="http://schemas.microsoft.com/office/drawing/2014/chart" uri="{C3380CC4-5D6E-409C-BE32-E72D297353CC}">
+                <c16:uniqueId val="{00000007-5F1E-447B-8B93-6D5596B70639}"/>
+              </c:ext>
+            </c:extLst>
           </c:dPt>
           <c:dLbls>
             <c:dLbl>
@@ -2103,7 +2108,21 @@
               <a:latin typeface="Meiryo UI" panose="020B0604030504040204" pitchFamily="50" charset="-128"/>
               <a:ea typeface="Meiryo UI" panose="020B0604030504040204" pitchFamily="50" charset="-128"/>
             </a:rPr>
-            <a:t>（職業後で決めるところです）</a:t>
+            <a:t>メインプログラム担当</a:t>
+          </a:r>
+          <a:endParaRPr lang="en-US" altLang="ja-JP" dirty="0">
+            <a:latin typeface="Meiryo UI" panose="020B0604030504040204" pitchFamily="50" charset="-128"/>
+            <a:ea typeface="Meiryo UI" panose="020B0604030504040204" pitchFamily="50" charset="-128"/>
+          </a:endParaRPr>
+        </a:p>
+        <a:p>
+          <a:pPr rtl="0"/>
+          <a:r>
+            <a:rPr lang="ja-JP" altLang="en-US" dirty="0">
+              <a:latin typeface="Meiryo UI" panose="020B0604030504040204" pitchFamily="50" charset="-128"/>
+              <a:ea typeface="Meiryo UI" panose="020B0604030504040204" pitchFamily="50" charset="-128"/>
+            </a:rPr>
+            <a:t>兼プランナー</a:t>
           </a:r>
           <a:endParaRPr lang="ja" dirty="0">
             <a:latin typeface="Meiryo UI" panose="020B0604030504040204" pitchFamily="50" charset="-128"/>
@@ -2195,7 +2214,7 @@
               <a:latin typeface="Meiryo UI" panose="020B0604030504040204" pitchFamily="50" charset="-128"/>
               <a:ea typeface="Meiryo UI" panose="020B0604030504040204" pitchFamily="50" charset="-128"/>
             </a:rPr>
-            <a:t>（）</a:t>
+            <a:t>デザイナー</a:t>
           </a:r>
           <a:endParaRPr lang="ja" dirty="0">
             <a:latin typeface="Meiryo UI" panose="020B0604030504040204" pitchFamily="50" charset="-128"/>
@@ -2241,14 +2260,7 @@
               <a:latin typeface="Meiryo UI" panose="020B0604030504040204" pitchFamily="50" charset="-128"/>
               <a:ea typeface="Meiryo UI" panose="020B0604030504040204" pitchFamily="50" charset="-128"/>
             </a:rPr>
-            <a:t>協力者</a:t>
-          </a:r>
-          <a:r>
-            <a:rPr lang="en-US" altLang="ja-JP" dirty="0">
-              <a:latin typeface="Meiryo UI" panose="020B0604030504040204" pitchFamily="50" charset="-128"/>
-              <a:ea typeface="Meiryo UI" panose="020B0604030504040204" pitchFamily="50" charset="-128"/>
-            </a:rPr>
-            <a:t>B</a:t>
+            <a:t>鎌野</a:t>
           </a:r>
           <a:endParaRPr lang="ja" dirty="0">
             <a:latin typeface="Meiryo UI" panose="020B0604030504040204" pitchFamily="50" charset="-128"/>
@@ -2290,11 +2302,18 @@
         <a:p>
           <a:pPr rtl="0"/>
           <a:r>
+            <a:rPr lang="en-US" altLang="ja-JP" dirty="0">
+              <a:latin typeface="Meiryo UI" panose="020B0604030504040204" pitchFamily="50" charset="-128"/>
+              <a:ea typeface="Meiryo UI" panose="020B0604030504040204" pitchFamily="50" charset="-128"/>
+            </a:rPr>
+            <a:t>UI</a:t>
+          </a:r>
+          <a:r>
             <a:rPr lang="ja-JP" altLang="en-US" dirty="0">
               <a:latin typeface="Meiryo UI" panose="020B0604030504040204" pitchFamily="50" charset="-128"/>
               <a:ea typeface="Meiryo UI" panose="020B0604030504040204" pitchFamily="50" charset="-128"/>
             </a:rPr>
-            <a:t>（）</a:t>
+            <a:t>担当</a:t>
           </a:r>
           <a:endParaRPr lang="ja" dirty="0">
             <a:latin typeface="Meiryo UI" panose="020B0604030504040204" pitchFamily="50" charset="-128"/>
@@ -2340,14 +2359,7 @@
               <a:latin typeface="Meiryo UI" panose="020B0604030504040204" pitchFamily="50" charset="-128"/>
               <a:ea typeface="Meiryo UI" panose="020B0604030504040204" pitchFamily="50" charset="-128"/>
             </a:rPr>
-            <a:t>協力者</a:t>
-          </a:r>
-          <a:r>
-            <a:rPr lang="en-US" altLang="ja-JP" dirty="0">
-              <a:latin typeface="Meiryo UI" panose="020B0604030504040204" pitchFamily="50" charset="-128"/>
-              <a:ea typeface="Meiryo UI" panose="020B0604030504040204" pitchFamily="50" charset="-128"/>
-            </a:rPr>
-            <a:t>A</a:t>
+            <a:t>市原</a:t>
           </a:r>
           <a:endParaRPr lang="ja" dirty="0">
             <a:latin typeface="Meiryo UI" panose="020B0604030504040204" pitchFamily="50" charset="-128"/>
@@ -2395,7 +2407,7 @@
       <dgm:spPr/>
     </dgm:pt>
     <dgm:pt modelId="{954381E7-0584-46DD-8108-E9BF4F2B5005}" type="pres">
-      <dgm:prSet presAssocID="{8DB5D7D5-6A1C-4ABC-8850-759A9D876047}" presName="parent1" presStyleLbl="alignNode1" presStyleIdx="0" presStyleCnt="3">
+      <dgm:prSet presAssocID="{8DB5D7D5-6A1C-4ABC-8850-759A9D876047}" presName="parent1" presStyleLbl="alignNode1" presStyleIdx="0" presStyleCnt="3" custScaleY="171121">
         <dgm:presLayoutVars>
           <dgm:chMax val="1"/>
           <dgm:chPref val="1"/>
@@ -2448,7 +2460,7 @@
       <dgm:spPr/>
     </dgm:pt>
     <dgm:pt modelId="{30804A27-188E-4A17-8FFE-97BCCA0597B8}" type="pres">
-      <dgm:prSet presAssocID="{C5146535-FD3D-4589-98A3-623B8DA4B8DB}" presName="parent1" presStyleLbl="alignNode1" presStyleIdx="1" presStyleCnt="3">
+      <dgm:prSet presAssocID="{C5146535-FD3D-4589-98A3-623B8DA4B8DB}" presName="parent1" presStyleLbl="alignNode1" presStyleIdx="1" presStyleCnt="3" custScaleY="165985">
         <dgm:presLayoutVars>
           <dgm:chMax val="1"/>
           <dgm:chPref val="1"/>
@@ -2501,7 +2513,7 @@
       <dgm:spPr/>
     </dgm:pt>
     <dgm:pt modelId="{566B79CB-1A41-4F5C-BF91-58D94BF93913}" type="pres">
-      <dgm:prSet presAssocID="{09C152DA-7620-4852-8162-A77EC3609F3F}" presName="parent1" presStyleLbl="alignNode1" presStyleIdx="2" presStyleCnt="3">
+      <dgm:prSet presAssocID="{09C152DA-7620-4852-8162-A77EC3609F3F}" presName="parent1" presStyleLbl="alignNode1" presStyleIdx="2" presStyleCnt="3" custScaleY="165985" custLinFactNeighborX="-310" custLinFactNeighborY="-2569">
         <dgm:presLayoutVars>
           <dgm:chMax val="1"/>
           <dgm:chPref val="1"/>
@@ -2606,8 +2618,8 @@
       </dsp:nvSpPr>
       <dsp:spPr>
         <a:xfrm rot="16200000">
-          <a:off x="2328055" y="314278"/>
-          <a:ext cx="363378" cy="3005230"/>
+          <a:off x="2198835" y="314278"/>
+          <a:ext cx="621817" cy="3005230"/>
         </a:xfrm>
         <a:prstGeom prst="round2SameRect">
           <a:avLst/>
@@ -2672,7 +2684,32 @@
               <a:latin typeface="Meiryo UI" panose="020B0604030504040204" pitchFamily="50" charset="-128"/>
               <a:ea typeface="Meiryo UI" panose="020B0604030504040204" pitchFamily="50" charset="-128"/>
             </a:rPr>
-            <a:t>（職業後で決めるところです）</a:t>
+            <a:t>メインプログラム担当</a:t>
+          </a:r>
+          <a:endParaRPr lang="en-US" altLang="ja-JP" sz="1100" kern="1200" dirty="0">
+            <a:latin typeface="Meiryo UI" panose="020B0604030504040204" pitchFamily="50" charset="-128"/>
+            <a:ea typeface="Meiryo UI" panose="020B0604030504040204" pitchFamily="50" charset="-128"/>
+          </a:endParaRPr>
+        </a:p>
+        <a:p>
+          <a:pPr marL="0" lvl="0" indent="0" algn="ctr" defTabSz="488950" rtl="0">
+            <a:lnSpc>
+              <a:spcPct val="90000"/>
+            </a:lnSpc>
+            <a:spcBef>
+              <a:spcPct val="0"/>
+            </a:spcBef>
+            <a:spcAft>
+              <a:spcPct val="35000"/>
+            </a:spcAft>
+            <a:buNone/>
+          </a:pPr>
+          <a:r>
+            <a:rPr lang="ja-JP" altLang="en-US" sz="1100" kern="1200" dirty="0">
+              <a:latin typeface="Meiryo UI" panose="020B0604030504040204" pitchFamily="50" charset="-128"/>
+              <a:ea typeface="Meiryo UI" panose="020B0604030504040204" pitchFamily="50" charset="-128"/>
+            </a:rPr>
+            <a:t>兼プランナー</a:t>
           </a:r>
           <a:endParaRPr lang="ja" sz="1100" kern="1200" dirty="0">
             <a:latin typeface="Meiryo UI" panose="020B0604030504040204" pitchFamily="50" charset="-128"/>
@@ -2681,8 +2718,8 @@
         </a:p>
       </dsp:txBody>
       <dsp:txXfrm rot="5400000">
-        <a:off x="1024869" y="1652943"/>
-        <a:ext cx="2987491" cy="327900"/>
+        <a:off x="1037484" y="1536340"/>
+        <a:ext cx="2974875" cy="561107"/>
       </dsp:txXfrm>
     </dsp:sp>
     <dsp:sp modelId="{5A1B764B-0DC5-47CD-BDEA-9E67799496EC}">
@@ -2850,8 +2887,8 @@
       </dsp:nvSpPr>
       <dsp:spPr>
         <a:xfrm>
-          <a:off x="4012359" y="1635204"/>
-          <a:ext cx="3005230" cy="363378"/>
+          <a:off x="4012359" y="1515316"/>
+          <a:ext cx="3005230" cy="603154"/>
         </a:xfrm>
         <a:prstGeom prst="rect">
           <a:avLst/>
@@ -2916,7 +2953,7 @@
               <a:latin typeface="Meiryo UI" panose="020B0604030504040204" pitchFamily="50" charset="-128"/>
               <a:ea typeface="Meiryo UI" panose="020B0604030504040204" pitchFamily="50" charset="-128"/>
             </a:rPr>
-            <a:t>（）</a:t>
+            <a:t>デザイナー</a:t>
           </a:r>
           <a:endParaRPr lang="ja" sz="1100" kern="1200" dirty="0">
             <a:latin typeface="Meiryo UI" panose="020B0604030504040204" pitchFamily="50" charset="-128"/>
@@ -2925,8 +2962,8 @@
         </a:p>
       </dsp:txBody>
       <dsp:txXfrm>
-        <a:off x="4012359" y="1635204"/>
-        <a:ext cx="3005230" cy="363378"/>
+        <a:off x="4012359" y="1515316"/>
+        <a:ext cx="3005230" cy="603154"/>
       </dsp:txXfrm>
     </dsp:sp>
     <dsp:sp modelId="{DF65791B-462E-4589-B98D-F60587330CA8}">
@@ -2983,14 +3020,7 @@
               <a:latin typeface="Meiryo UI" panose="020B0604030504040204" pitchFamily="50" charset="-128"/>
               <a:ea typeface="Meiryo UI" panose="020B0604030504040204" pitchFamily="50" charset="-128"/>
             </a:rPr>
-            <a:t>協力者</a:t>
-          </a:r>
-          <a:r>
-            <a:rPr lang="en-US" altLang="ja-JP" sz="1100" kern="1200" dirty="0">
-              <a:latin typeface="Meiryo UI" panose="020B0604030504040204" pitchFamily="50" charset="-128"/>
-              <a:ea typeface="Meiryo UI" panose="020B0604030504040204" pitchFamily="50" charset="-128"/>
-            </a:rPr>
-            <a:t>B</a:t>
+            <a:t>鎌野</a:t>
           </a:r>
           <a:endParaRPr lang="ja" sz="1100" kern="1200" dirty="0">
             <a:latin typeface="Meiryo UI" panose="020B0604030504040204" pitchFamily="50" charset="-128"/>
@@ -3010,7 +3040,7 @@
       </dsp:nvSpPr>
       <dsp:spPr>
         <a:xfrm>
-          <a:off x="5514975" y="1998582"/>
+          <a:off x="5514974" y="1998582"/>
           <a:ext cx="0" cy="290702"/>
         </a:xfrm>
         <a:prstGeom prst="line">
@@ -3101,8 +3131,8 @@
       </dsp:nvSpPr>
       <dsp:spPr>
         <a:xfrm rot="5400000">
-          <a:off x="8338516" y="314278"/>
-          <a:ext cx="363378" cy="3005230"/>
+          <a:off x="8209312" y="304943"/>
+          <a:ext cx="603154" cy="3005230"/>
         </a:xfrm>
         <a:prstGeom prst="round2SameRect">
           <a:avLst/>
@@ -3163,11 +3193,18 @@
             <a:buNone/>
           </a:pPr>
           <a:r>
+            <a:rPr lang="en-US" altLang="ja-JP" sz="1100" kern="1200" dirty="0">
+              <a:latin typeface="Meiryo UI" panose="020B0604030504040204" pitchFamily="50" charset="-128"/>
+              <a:ea typeface="Meiryo UI" panose="020B0604030504040204" pitchFamily="50" charset="-128"/>
+            </a:rPr>
+            <a:t>UI</a:t>
+          </a:r>
+          <a:r>
             <a:rPr lang="ja-JP" altLang="en-US" sz="1100" kern="1200" dirty="0">
               <a:latin typeface="Meiryo UI" panose="020B0604030504040204" pitchFamily="50" charset="-128"/>
               <a:ea typeface="Meiryo UI" panose="020B0604030504040204" pitchFamily="50" charset="-128"/>
             </a:rPr>
-            <a:t>（）</a:t>
+            <a:t>担当</a:t>
           </a:r>
           <a:endParaRPr lang="ja" sz="1100" kern="1200" dirty="0">
             <a:latin typeface="Meiryo UI" panose="020B0604030504040204" pitchFamily="50" charset="-128"/>
@@ -3176,8 +3213,8 @@
         </a:p>
       </dsp:txBody>
       <dsp:txXfrm rot="-5400000">
-        <a:off x="7017591" y="1652943"/>
-        <a:ext cx="2987491" cy="327900"/>
+        <a:off x="7008274" y="1535425"/>
+        <a:ext cx="2975786" cy="544266"/>
       </dsp:txXfrm>
     </dsp:sp>
     <dsp:sp modelId="{B4723E2A-4FF1-452A-BD25-8EC364F15A6F}">
@@ -3234,14 +3271,7 @@
               <a:latin typeface="Meiryo UI" panose="020B0604030504040204" pitchFamily="50" charset="-128"/>
               <a:ea typeface="Meiryo UI" panose="020B0604030504040204" pitchFamily="50" charset="-128"/>
             </a:rPr>
-            <a:t>協力者</a:t>
-          </a:r>
-          <a:r>
-            <a:rPr lang="en-US" altLang="ja-JP" sz="1100" kern="1200" dirty="0">
-              <a:latin typeface="Meiryo UI" panose="020B0604030504040204" pitchFamily="50" charset="-128"/>
-              <a:ea typeface="Meiryo UI" panose="020B0604030504040204" pitchFamily="50" charset="-128"/>
-            </a:rPr>
-            <a:t>A</a:t>
+            <a:t>市原</a:t>
           </a:r>
           <a:endParaRPr lang="ja" sz="1100" kern="1200" dirty="0">
             <a:latin typeface="Meiryo UI" panose="020B0604030504040204" pitchFamily="50" charset="-128"/>
@@ -9621,8 +9651,8 @@
           <a:lstStyle/>
           <a:p>
             <a:r>
-              <a:rPr lang="en-US" altLang="ja" dirty="0"/>
-              <a:t>The Radiance of Life</a:t>
+              <a:rPr lang="ja-JP" altLang="en-US" dirty="0"/>
+              <a:t>居残授業</a:t>
             </a:r>
             <a:endParaRPr lang="ja" dirty="0"/>
           </a:p>
@@ -9658,8 +9688,8 @@
           <a:p>
             <a:pPr rtl="0"/>
             <a:r>
-              <a:rPr lang="en-US" altLang="ja" dirty="0" err="1"/>
-              <a:t>naniitennno</a:t>
+              <a:rPr lang="ja-JP" altLang="en-US" dirty="0"/>
+              <a:t>いのこりじゅぎょう</a:t>
             </a:r>
             <a:endParaRPr lang="ja" dirty="0"/>
           </a:p>
@@ -9920,7 +9950,11 @@
             </a:r>
             <a:r>
               <a:rPr lang="en-US" altLang="ja" dirty="0"/>
-              <a:t> The Radiance of Life</a:t>
+              <a:t> </a:t>
+            </a:r>
+            <a:r>
+              <a:rPr lang="ja-JP" altLang="en-US" dirty="0"/>
+              <a:t>居残授業</a:t>
             </a:r>
             <a:endParaRPr lang="ja" dirty="0"/>
           </a:p>
@@ -9942,7 +9976,7 @@
             <p:ph idx="1"/>
             <p:extLst>
               <p:ext uri="{D42A27DB-BD31-4B8C-83A1-F6EECF244321}">
-                <p14:modId xmlns:p14="http://schemas.microsoft.com/office/powerpoint/2010/main" val="2416266099"/>
+                <p14:modId xmlns:p14="http://schemas.microsoft.com/office/powerpoint/2010/main" val="2496809142"/>
               </p:ext>
             </p:extLst>
           </p:nvPr>
@@ -10586,20 +10620,31 @@
           </a:p>
           <a:p>
             <a:r>
+              <a:rPr kumimoji="1" lang="ja-JP" altLang="en-US" dirty="0"/>
+              <a:t>セーブ</a:t>
+            </a:r>
+            <a:endParaRPr kumimoji="1" lang="en-US" altLang="ja-JP" dirty="0"/>
+          </a:p>
+          <a:p>
+            <a:r>
               <a:rPr lang="ja-JP" altLang="en-US" dirty="0"/>
-              <a:t>・夜間学校</a:t>
+              <a:t>音量設（出来たら）</a:t>
             </a:r>
             <a:endParaRPr lang="en-US" altLang="ja-JP" dirty="0"/>
           </a:p>
           <a:p>
             <a:r>
-              <a:rPr lang="ja-JP" altLang="en-US"/>
-              <a:t>・！わくわく３人学校探索</a:t>
+              <a:rPr kumimoji="1" lang="ja-JP" altLang="en-US" dirty="0"/>
+              <a:t>ポーズ機能（出来たら）</a:t>
             </a:r>
             <a:endParaRPr kumimoji="1" lang="en-US" altLang="ja-JP" dirty="0"/>
           </a:p>
           <a:p>
-            <a:endParaRPr kumimoji="1" lang="ja-JP" altLang="en-US" dirty="0"/>
+            <a:r>
+              <a:rPr lang="ja-JP" altLang="en-US" dirty="0"/>
+              <a:t>ゲームオーバー</a:t>
+            </a:r>
+            <a:endParaRPr kumimoji="1" lang="en-US" altLang="ja-JP" dirty="0"/>
           </a:p>
         </p:txBody>
       </p:sp>
@@ -10713,14 +10758,73 @@
           <a:bodyPr/>
           <a:lstStyle/>
           <a:p>
+            <a:pPr marL="0" indent="0">
+              <a:buNone/>
+            </a:pPr>
+            <a:r>
+              <a:rPr kumimoji="1" lang="ja-JP" altLang="en-US" dirty="0"/>
+              <a:t>敵</a:t>
+            </a:r>
+            <a:endParaRPr kumimoji="1" lang="en-US" altLang="ja-JP" dirty="0"/>
+          </a:p>
+          <a:p>
+            <a:pPr marL="0" indent="0">
+              <a:buNone/>
+            </a:pPr>
             <a:r>
               <a:rPr lang="ja-JP" altLang="en-US" dirty="0"/>
-              <a:t>ご自由にお使いください</a:t>
-            </a:r>
-            <a:endParaRPr kumimoji="1" lang="ja-JP" altLang="en-US" dirty="0"/>
-          </a:p>
-          <a:p>
-            <a:endParaRPr kumimoji="1" lang="ja-JP" altLang="en-US" dirty="0"/>
+              <a:t>プレイヤー</a:t>
+            </a:r>
+            <a:endParaRPr lang="en-US" altLang="ja-JP" dirty="0"/>
+          </a:p>
+          <a:p>
+            <a:pPr marL="0" indent="0">
+              <a:buNone/>
+            </a:pPr>
+            <a:r>
+              <a:rPr kumimoji="1" lang="ja-JP" altLang="en-US" dirty="0"/>
+              <a:t>ゲーム</a:t>
+            </a:r>
+            <a:endParaRPr kumimoji="1" lang="en-US" altLang="ja-JP" dirty="0"/>
+          </a:p>
+          <a:p>
+            <a:pPr marL="0" indent="0">
+              <a:buNone/>
+            </a:pPr>
+            <a:r>
+              <a:rPr lang="ja-JP" altLang="en-US" dirty="0"/>
+              <a:t>マップ</a:t>
+            </a:r>
+            <a:endParaRPr lang="en-US" altLang="ja-JP" dirty="0"/>
+          </a:p>
+          <a:p>
+            <a:pPr marL="0" indent="0">
+              <a:buNone/>
+            </a:pPr>
+            <a:r>
+              <a:rPr kumimoji="1" lang="ja-JP" altLang="en-US" dirty="0"/>
+              <a:t>シナリオ</a:t>
+            </a:r>
+            <a:endParaRPr kumimoji="1" lang="en-US" altLang="ja-JP" dirty="0"/>
+          </a:p>
+          <a:p>
+            <a:pPr marL="0" indent="0">
+              <a:buNone/>
+            </a:pPr>
+            <a:r>
+              <a:rPr lang="ja-JP" altLang="en-US" dirty="0"/>
+              <a:t>イベント</a:t>
+            </a:r>
+            <a:endParaRPr lang="en-US" altLang="ja-JP" dirty="0"/>
+          </a:p>
+          <a:p>
+            <a:pPr marL="0" indent="0">
+              <a:buNone/>
+            </a:pPr>
+            <a:r>
+              <a:rPr kumimoji="1" lang="ja-JP" altLang="en-US" dirty="0"/>
+              <a:t>テキスト</a:t>
+            </a:r>
           </a:p>
         </p:txBody>
       </p:sp>
